--- a/_BaoCao/quocdunginfo/model 2.pptx
+++ b/_BaoCao/quocdunginfo/model 2.pptx
@@ -250,7 +250,7 @@
           <a:p>
             <a:fld id="{AB78E5E6-0990-4F48-9424-E063849A9480}" type="datetimeFigureOut">
               <a:rPr lang="en-US" smtClean="0"/>
-              <a:t>24/10/2014</a:t>
+              <a:t>06/11/2014</a:t>
             </a:fld>
             <a:endParaRPr lang="en-US"/>
           </a:p>
@@ -420,7 +420,7 @@
           <a:p>
             <a:fld id="{AB78E5E6-0990-4F48-9424-E063849A9480}" type="datetimeFigureOut">
               <a:rPr lang="en-US" smtClean="0"/>
-              <a:t>24/10/2014</a:t>
+              <a:t>06/11/2014</a:t>
             </a:fld>
             <a:endParaRPr lang="en-US"/>
           </a:p>
@@ -600,7 +600,7 @@
           <a:p>
             <a:fld id="{AB78E5E6-0990-4F48-9424-E063849A9480}" type="datetimeFigureOut">
               <a:rPr lang="en-US" smtClean="0"/>
-              <a:t>24/10/2014</a:t>
+              <a:t>06/11/2014</a:t>
             </a:fld>
             <a:endParaRPr lang="en-US"/>
           </a:p>
@@ -770,7 +770,7 @@
           <a:p>
             <a:fld id="{AB78E5E6-0990-4F48-9424-E063849A9480}" type="datetimeFigureOut">
               <a:rPr lang="en-US" smtClean="0"/>
-              <a:t>24/10/2014</a:t>
+              <a:t>06/11/2014</a:t>
             </a:fld>
             <a:endParaRPr lang="en-US"/>
           </a:p>
@@ -1016,7 +1016,7 @@
           <a:p>
             <a:fld id="{AB78E5E6-0990-4F48-9424-E063849A9480}" type="datetimeFigureOut">
               <a:rPr lang="en-US" smtClean="0"/>
-              <a:t>24/10/2014</a:t>
+              <a:t>06/11/2014</a:t>
             </a:fld>
             <a:endParaRPr lang="en-US"/>
           </a:p>
@@ -1248,7 +1248,7 @@
           <a:p>
             <a:fld id="{AB78E5E6-0990-4F48-9424-E063849A9480}" type="datetimeFigureOut">
               <a:rPr lang="en-US" smtClean="0"/>
-              <a:t>24/10/2014</a:t>
+              <a:t>06/11/2014</a:t>
             </a:fld>
             <a:endParaRPr lang="en-US"/>
           </a:p>
@@ -1615,7 +1615,7 @@
           <a:p>
             <a:fld id="{AB78E5E6-0990-4F48-9424-E063849A9480}" type="datetimeFigureOut">
               <a:rPr lang="en-US" smtClean="0"/>
-              <a:t>24/10/2014</a:t>
+              <a:t>06/11/2014</a:t>
             </a:fld>
             <a:endParaRPr lang="en-US"/>
           </a:p>
@@ -1733,7 +1733,7 @@
           <a:p>
             <a:fld id="{AB78E5E6-0990-4F48-9424-E063849A9480}" type="datetimeFigureOut">
               <a:rPr lang="en-US" smtClean="0"/>
-              <a:t>24/10/2014</a:t>
+              <a:t>06/11/2014</a:t>
             </a:fld>
             <a:endParaRPr lang="en-US"/>
           </a:p>
@@ -1828,7 +1828,7 @@
           <a:p>
             <a:fld id="{AB78E5E6-0990-4F48-9424-E063849A9480}" type="datetimeFigureOut">
               <a:rPr lang="en-US" smtClean="0"/>
-              <a:t>24/10/2014</a:t>
+              <a:t>06/11/2014</a:t>
             </a:fld>
             <a:endParaRPr lang="en-US"/>
           </a:p>
@@ -2105,7 +2105,7 @@
           <a:p>
             <a:fld id="{AB78E5E6-0990-4F48-9424-E063849A9480}" type="datetimeFigureOut">
               <a:rPr lang="en-US" smtClean="0"/>
-              <a:t>24/10/2014</a:t>
+              <a:t>06/11/2014</a:t>
             </a:fld>
             <a:endParaRPr lang="en-US"/>
           </a:p>
@@ -2358,7 +2358,7 @@
           <a:p>
             <a:fld id="{AB78E5E6-0990-4F48-9424-E063849A9480}" type="datetimeFigureOut">
               <a:rPr lang="en-US" smtClean="0"/>
-              <a:t>24/10/2014</a:t>
+              <a:t>06/11/2014</a:t>
             </a:fld>
             <a:endParaRPr lang="en-US"/>
           </a:p>
@@ -2571,7 +2571,7 @@
           <a:p>
             <a:fld id="{AB78E5E6-0990-4F48-9424-E063849A9480}" type="datetimeFigureOut">
               <a:rPr lang="en-US" smtClean="0"/>
-              <a:t>24/10/2014</a:t>
+              <a:t>06/11/2014</a:t>
             </a:fld>
             <a:endParaRPr lang="en-US"/>
           </a:p>
@@ -6473,13 +6473,13 @@
       </p:grpSpPr>
       <p:sp>
         <p:nvSpPr>
-          <p:cNvPr id="5" name="Rectangle 4"/>
+          <p:cNvPr id="13" name="Rectangle 12"/>
           <p:cNvSpPr/>
           <p:nvPr/>
         </p:nvSpPr>
         <p:spPr>
           <a:xfrm>
-            <a:off x="4427834" y="3331209"/>
+            <a:off x="4416929" y="67608"/>
             <a:ext cx="2067322" cy="491544"/>
           </a:xfrm>
           <a:prstGeom prst="rect">
@@ -6490,6 +6490,7 @@
             <a:solidFill>
               <a:schemeClr val="tx1"/>
             </a:solidFill>
+            <a:prstDash val="lgDash"/>
           </a:ln>
         </p:spPr>
         <p:style>
@@ -6514,7 +6515,7 @@
           <a:p>
             <a:pPr algn="ctr"/>
             <a:r>
-              <a:rPr lang="en-US" dirty="0" smtClean="0">
+              <a:rPr lang="en-US" smtClean="0">
                 <a:solidFill>
                   <a:schemeClr val="tx1"/>
                 </a:solidFill>
@@ -6522,7 +6523,18 @@
                 <a:ea typeface="Tahoma" panose="020B0604030504040204" pitchFamily="34" charset="0"/>
                 <a:cs typeface="Tahoma" panose="020B0604030504040204" pitchFamily="34" charset="0"/>
               </a:rPr>
-              <a:t>Concreted class</a:t>
+              <a:t>Abstract </a:t>
+            </a:r>
+            <a:r>
+              <a:rPr lang="en-US" smtClean="0">
+                <a:solidFill>
+                  <a:schemeClr val="tx1"/>
+                </a:solidFill>
+                <a:latin typeface="Tahoma" panose="020B0604030504040204" pitchFamily="34" charset="0"/>
+                <a:ea typeface="Tahoma" panose="020B0604030504040204" pitchFamily="34" charset="0"/>
+                <a:cs typeface="Tahoma" panose="020B0604030504040204" pitchFamily="34" charset="0"/>
+              </a:rPr>
+              <a:t>class 1</a:t>
             </a:r>
             <a:endParaRPr lang="en-US" dirty="0">
               <a:solidFill>
@@ -6537,13 +6549,13 @@
       </p:sp>
       <p:sp>
         <p:nvSpPr>
-          <p:cNvPr id="13" name="Rectangle 12"/>
+          <p:cNvPr id="16" name="Rectangle 15"/>
           <p:cNvSpPr/>
           <p:nvPr/>
         </p:nvSpPr>
         <p:spPr>
           <a:xfrm>
-            <a:off x="4416929" y="67608"/>
+            <a:off x="4408234" y="1624345"/>
             <a:ext cx="2067322" cy="491544"/>
           </a:xfrm>
           <a:prstGeom prst="rect">
@@ -6579,7 +6591,7 @@
           <a:p>
             <a:pPr algn="ctr"/>
             <a:r>
-              <a:rPr lang="en-US" dirty="0" smtClean="0">
+              <a:rPr lang="en-US" smtClean="0">
                 <a:solidFill>
                   <a:schemeClr val="tx1"/>
                 </a:solidFill>
@@ -6587,7 +6599,18 @@
                 <a:ea typeface="Tahoma" panose="020B0604030504040204" pitchFamily="34" charset="0"/>
                 <a:cs typeface="Tahoma" panose="020B0604030504040204" pitchFamily="34" charset="0"/>
               </a:rPr>
-              <a:t>Abstract class</a:t>
+              <a:t>Abstract </a:t>
+            </a:r>
+            <a:r>
+              <a:rPr lang="en-US" smtClean="0">
+                <a:solidFill>
+                  <a:schemeClr val="tx1"/>
+                </a:solidFill>
+                <a:latin typeface="Tahoma" panose="020B0604030504040204" pitchFamily="34" charset="0"/>
+                <a:ea typeface="Tahoma" panose="020B0604030504040204" pitchFamily="34" charset="0"/>
+                <a:cs typeface="Tahoma" panose="020B0604030504040204" pitchFamily="34" charset="0"/>
+              </a:rPr>
+              <a:t>class 2</a:t>
             </a:r>
             <a:endParaRPr lang="en-US" dirty="0">
               <a:solidFill>
@@ -6602,13 +6625,13 @@
       </p:sp>
       <p:sp>
         <p:nvSpPr>
-          <p:cNvPr id="16" name="Rectangle 15"/>
+          <p:cNvPr id="17" name="Rectangle 16"/>
           <p:cNvSpPr/>
           <p:nvPr/>
         </p:nvSpPr>
         <p:spPr>
           <a:xfrm>
-            <a:off x="4408234" y="1624345"/>
+            <a:off x="2134037" y="2106055"/>
             <a:ext cx="2067322" cy="491544"/>
           </a:xfrm>
           <a:prstGeom prst="rect">
@@ -6619,7 +6642,6 @@
             <a:solidFill>
               <a:schemeClr val="tx1"/>
             </a:solidFill>
-            <a:prstDash val="lgDash"/>
           </a:ln>
         </p:spPr>
         <p:style>
@@ -6644,7 +6666,7 @@
           <a:p>
             <a:pPr algn="ctr"/>
             <a:r>
-              <a:rPr lang="en-US" dirty="0" smtClean="0">
+              <a:rPr lang="en-US" smtClean="0">
                 <a:solidFill>
                   <a:schemeClr val="tx1"/>
                 </a:solidFill>
@@ -6652,7 +6674,18 @@
                 <a:ea typeface="Tahoma" panose="020B0604030504040204" pitchFamily="34" charset="0"/>
                 <a:cs typeface="Tahoma" panose="020B0604030504040204" pitchFamily="34" charset="0"/>
               </a:rPr>
-              <a:t>Abstract class</a:t>
+              <a:t>Concreted </a:t>
+            </a:r>
+            <a:r>
+              <a:rPr lang="en-US" smtClean="0">
+                <a:solidFill>
+                  <a:schemeClr val="tx1"/>
+                </a:solidFill>
+                <a:latin typeface="Tahoma" panose="020B0604030504040204" pitchFamily="34" charset="0"/>
+                <a:ea typeface="Tahoma" panose="020B0604030504040204" pitchFamily="34" charset="0"/>
+                <a:cs typeface="Tahoma" panose="020B0604030504040204" pitchFamily="34" charset="0"/>
+              </a:rPr>
+              <a:t>class 1</a:t>
             </a:r>
             <a:endParaRPr lang="en-US" dirty="0">
               <a:solidFill>
@@ -6667,13 +6700,13 @@
       </p:sp>
       <p:sp>
         <p:nvSpPr>
-          <p:cNvPr id="17" name="Rectangle 16"/>
+          <p:cNvPr id="24" name="Rectangle 23"/>
           <p:cNvSpPr/>
           <p:nvPr/>
         </p:nvSpPr>
         <p:spPr>
           <a:xfrm>
-            <a:off x="2134037" y="2106055"/>
+            <a:off x="4392865" y="2619539"/>
             <a:ext cx="2067322" cy="491544"/>
           </a:xfrm>
           <a:prstGeom prst="rect">
@@ -6708,7 +6741,7 @@
           <a:p>
             <a:pPr algn="ctr"/>
             <a:r>
-              <a:rPr lang="en-US" dirty="0" smtClean="0">
+              <a:rPr lang="en-US" smtClean="0">
                 <a:solidFill>
                   <a:schemeClr val="tx1"/>
                 </a:solidFill>
@@ -6716,7 +6749,18 @@
                 <a:ea typeface="Tahoma" panose="020B0604030504040204" pitchFamily="34" charset="0"/>
                 <a:cs typeface="Tahoma" panose="020B0604030504040204" pitchFamily="34" charset="0"/>
               </a:rPr>
-              <a:t>Concreted class</a:t>
+              <a:t>Concreted </a:t>
+            </a:r>
+            <a:r>
+              <a:rPr lang="en-US" smtClean="0">
+                <a:solidFill>
+                  <a:schemeClr val="tx1"/>
+                </a:solidFill>
+                <a:latin typeface="Tahoma" panose="020B0604030504040204" pitchFamily="34" charset="0"/>
+                <a:ea typeface="Tahoma" panose="020B0604030504040204" pitchFamily="34" charset="0"/>
+                <a:cs typeface="Tahoma" panose="020B0604030504040204" pitchFamily="34" charset="0"/>
+              </a:rPr>
+              <a:t>class 2</a:t>
             </a:r>
             <a:endParaRPr lang="en-US" dirty="0">
               <a:solidFill>
@@ -6731,13 +6775,13 @@
       </p:sp>
       <p:sp>
         <p:nvSpPr>
-          <p:cNvPr id="24" name="Rectangle 23"/>
+          <p:cNvPr id="25" name="Rectangle 24"/>
           <p:cNvSpPr/>
           <p:nvPr/>
         </p:nvSpPr>
         <p:spPr>
           <a:xfrm>
-            <a:off x="6682431" y="3335423"/>
+            <a:off x="6682431" y="2132284"/>
             <a:ext cx="2067322" cy="491544"/>
           </a:xfrm>
           <a:prstGeom prst="rect">
@@ -6772,7 +6816,7 @@
           <a:p>
             <a:pPr algn="ctr"/>
             <a:r>
-              <a:rPr lang="en-US" dirty="0" smtClean="0">
+              <a:rPr lang="en-US" smtClean="0">
                 <a:solidFill>
                   <a:schemeClr val="tx1"/>
                 </a:solidFill>
@@ -6780,7 +6824,18 @@
                 <a:ea typeface="Tahoma" panose="020B0604030504040204" pitchFamily="34" charset="0"/>
                 <a:cs typeface="Tahoma" panose="020B0604030504040204" pitchFamily="34" charset="0"/>
               </a:rPr>
-              <a:t>Concreted class</a:t>
+              <a:t>Concreted </a:t>
+            </a:r>
+            <a:r>
+              <a:rPr lang="en-US" smtClean="0">
+                <a:solidFill>
+                  <a:schemeClr val="tx1"/>
+                </a:solidFill>
+                <a:latin typeface="Tahoma" panose="020B0604030504040204" pitchFamily="34" charset="0"/>
+                <a:ea typeface="Tahoma" panose="020B0604030504040204" pitchFamily="34" charset="0"/>
+                <a:cs typeface="Tahoma" panose="020B0604030504040204" pitchFamily="34" charset="0"/>
+              </a:rPr>
+              <a:t>class 3</a:t>
             </a:r>
             <a:endParaRPr lang="en-US" dirty="0">
               <a:solidFill>
@@ -6793,134 +6848,6 @@
           </a:p>
         </p:txBody>
       </p:sp>
-      <p:sp>
-        <p:nvSpPr>
-          <p:cNvPr id="25" name="Rectangle 24"/>
-          <p:cNvSpPr/>
-          <p:nvPr/>
-        </p:nvSpPr>
-        <p:spPr>
-          <a:xfrm>
-            <a:off x="6682431" y="2132284"/>
-            <a:ext cx="2067322" cy="491544"/>
-          </a:xfrm>
-          <a:prstGeom prst="rect">
-            <a:avLst/>
-          </a:prstGeom>
-          <a:noFill/>
-          <a:ln>
-            <a:solidFill>
-              <a:schemeClr val="tx1"/>
-            </a:solidFill>
-          </a:ln>
-        </p:spPr>
-        <p:style>
-          <a:lnRef idx="2">
-            <a:schemeClr val="accent1">
-              <a:shade val="50000"/>
-            </a:schemeClr>
-          </a:lnRef>
-          <a:fillRef idx="1">
-            <a:schemeClr val="accent1"/>
-          </a:fillRef>
-          <a:effectRef idx="0">
-            <a:schemeClr val="accent1"/>
-          </a:effectRef>
-          <a:fontRef idx="minor">
-            <a:schemeClr val="lt1"/>
-          </a:fontRef>
-        </p:style>
-        <p:txBody>
-          <a:bodyPr rtlCol="0" anchor="ctr"/>
-          <a:lstStyle/>
-          <a:p>
-            <a:pPr algn="ctr"/>
-            <a:r>
-              <a:rPr lang="en-US" dirty="0" smtClean="0">
-                <a:solidFill>
-                  <a:schemeClr val="tx1"/>
-                </a:solidFill>
-                <a:latin typeface="Tahoma" panose="020B0604030504040204" pitchFamily="34" charset="0"/>
-                <a:ea typeface="Tahoma" panose="020B0604030504040204" pitchFamily="34" charset="0"/>
-                <a:cs typeface="Tahoma" panose="020B0604030504040204" pitchFamily="34" charset="0"/>
-              </a:rPr>
-              <a:t>Concreted class</a:t>
-            </a:r>
-            <a:endParaRPr lang="en-US" dirty="0">
-              <a:solidFill>
-                <a:schemeClr val="tx1"/>
-              </a:solidFill>
-              <a:latin typeface="Tahoma" panose="020B0604030504040204" pitchFamily="34" charset="0"/>
-              <a:ea typeface="Tahoma" panose="020B0604030504040204" pitchFamily="34" charset="0"/>
-              <a:cs typeface="Tahoma" panose="020B0604030504040204" pitchFamily="34" charset="0"/>
-            </a:endParaRPr>
-          </a:p>
-        </p:txBody>
-      </p:sp>
-      <p:sp>
-        <p:nvSpPr>
-          <p:cNvPr id="26" name="Rectangle 25"/>
-          <p:cNvSpPr/>
-          <p:nvPr/>
-        </p:nvSpPr>
-        <p:spPr>
-          <a:xfrm>
-            <a:off x="2134037" y="3331209"/>
-            <a:ext cx="2067322" cy="491544"/>
-          </a:xfrm>
-          <a:prstGeom prst="rect">
-            <a:avLst/>
-          </a:prstGeom>
-          <a:noFill/>
-          <a:ln>
-            <a:solidFill>
-              <a:schemeClr val="tx1"/>
-            </a:solidFill>
-          </a:ln>
-        </p:spPr>
-        <p:style>
-          <a:lnRef idx="2">
-            <a:schemeClr val="accent1">
-              <a:shade val="50000"/>
-            </a:schemeClr>
-          </a:lnRef>
-          <a:fillRef idx="1">
-            <a:schemeClr val="accent1"/>
-          </a:fillRef>
-          <a:effectRef idx="0">
-            <a:schemeClr val="accent1"/>
-          </a:effectRef>
-          <a:fontRef idx="minor">
-            <a:schemeClr val="lt1"/>
-          </a:fontRef>
-        </p:style>
-        <p:txBody>
-          <a:bodyPr rtlCol="0" anchor="ctr"/>
-          <a:lstStyle/>
-          <a:p>
-            <a:pPr algn="ctr"/>
-            <a:r>
-              <a:rPr lang="en-US" dirty="0" smtClean="0">
-                <a:solidFill>
-                  <a:schemeClr val="tx1"/>
-                </a:solidFill>
-                <a:latin typeface="Tahoma" panose="020B0604030504040204" pitchFamily="34" charset="0"/>
-                <a:ea typeface="Tahoma" panose="020B0604030504040204" pitchFamily="34" charset="0"/>
-                <a:cs typeface="Tahoma" panose="020B0604030504040204" pitchFamily="34" charset="0"/>
-              </a:rPr>
-              <a:t>Concreted class</a:t>
-            </a:r>
-            <a:endParaRPr lang="en-US" dirty="0">
-              <a:solidFill>
-                <a:schemeClr val="tx1"/>
-              </a:solidFill>
-              <a:latin typeface="Tahoma" panose="020B0604030504040204" pitchFamily="34" charset="0"/>
-              <a:ea typeface="Tahoma" panose="020B0604030504040204" pitchFamily="34" charset="0"/>
-              <a:cs typeface="Tahoma" panose="020B0604030504040204" pitchFamily="34" charset="0"/>
-            </a:endParaRPr>
-          </a:p>
-        </p:txBody>
-      </p:sp>
       <p:grpSp>
         <p:nvGrpSpPr>
           <p:cNvPr id="43" name="Group 42"/>
@@ -6929,237 +6856,47 @@
         </p:nvGrpSpPr>
         <p:grpSpPr>
           <a:xfrm>
-            <a:off x="3224463" y="2167846"/>
-            <a:ext cx="4499772" cy="1175395"/>
-            <a:chOff x="3224463" y="2066508"/>
-            <a:chExt cx="4499772" cy="1175395"/>
+            <a:off x="5325985" y="2114058"/>
+            <a:ext cx="231820" cy="506101"/>
+            <a:chOff x="5325985" y="2053061"/>
+            <a:chExt cx="231820" cy="506101"/>
           </a:xfrm>
         </p:grpSpPr>
-        <p:grpSp>
-          <p:nvGrpSpPr>
-            <p:cNvPr id="40" name="Group 39"/>
-            <p:cNvGrpSpPr/>
+        <p:cxnSp>
+          <p:nvCxnSpPr>
+            <p:cNvPr id="28" name="Straight Connector 27"/>
+            <p:cNvCxnSpPr/>
             <p:nvPr/>
-          </p:nvGrpSpPr>
-          <p:grpSpPr>
+          </p:nvCxnSpPr>
+          <p:spPr>
             <a:xfrm>
-              <a:off x="3224463" y="2261310"/>
-              <a:ext cx="4499772" cy="980593"/>
-              <a:chOff x="3224463" y="2261310"/>
-              <a:chExt cx="4499772" cy="980593"/>
+              <a:off x="5450590" y="2261310"/>
+              <a:ext cx="0" cy="297852"/>
             </a:xfrm>
-          </p:grpSpPr>
-          <p:cxnSp>
-            <p:nvCxnSpPr>
-              <p:cNvPr id="28" name="Straight Connector 27"/>
-              <p:cNvCxnSpPr/>
-              <p:nvPr/>
-            </p:nvCxnSpPr>
-            <p:spPr>
-              <a:xfrm>
-                <a:off x="5450590" y="2261310"/>
-                <a:ext cx="0" cy="476805"/>
-              </a:xfrm>
-              <a:prstGeom prst="line">
-                <a:avLst/>
-              </a:prstGeom>
-              <a:ln w="28575">
-                <a:solidFill>
-                  <a:schemeClr val="tx1"/>
-                </a:solidFill>
-              </a:ln>
-            </p:spPr>
-            <p:style>
-              <a:lnRef idx="1">
-                <a:schemeClr val="accent1"/>
-              </a:lnRef>
-              <a:fillRef idx="0">
-                <a:schemeClr val="accent1"/>
-              </a:fillRef>
-              <a:effectRef idx="0">
-                <a:schemeClr val="accent1"/>
-              </a:effectRef>
-              <a:fontRef idx="minor">
+            <a:prstGeom prst="line">
+              <a:avLst/>
+            </a:prstGeom>
+            <a:ln w="28575">
+              <a:solidFill>
                 <a:schemeClr val="tx1"/>
-              </a:fontRef>
-            </p:style>
-          </p:cxnSp>
-          <p:cxnSp>
-            <p:nvCxnSpPr>
-              <p:cNvPr id="29" name="Straight Connector 28"/>
-              <p:cNvCxnSpPr/>
-              <p:nvPr/>
-            </p:nvCxnSpPr>
-            <p:spPr>
-              <a:xfrm flipH="1">
-                <a:off x="5450590" y="2718796"/>
-                <a:ext cx="2273645" cy="0"/>
-              </a:xfrm>
-              <a:prstGeom prst="line">
-                <a:avLst/>
-              </a:prstGeom>
-              <a:ln w="28575">
-                <a:solidFill>
-                  <a:schemeClr val="tx1"/>
-                </a:solidFill>
-              </a:ln>
-            </p:spPr>
-            <p:style>
-              <a:lnRef idx="1">
-                <a:schemeClr val="accent1"/>
-              </a:lnRef>
-              <a:fillRef idx="0">
-                <a:schemeClr val="accent1"/>
-              </a:fillRef>
-              <a:effectRef idx="0">
-                <a:schemeClr val="accent1"/>
-              </a:effectRef>
-              <a:fontRef idx="minor">
-                <a:schemeClr val="tx1"/>
-              </a:fontRef>
-            </p:style>
-          </p:cxnSp>
-          <p:cxnSp>
-            <p:nvCxnSpPr>
-              <p:cNvPr id="32" name="Straight Connector 31"/>
-              <p:cNvCxnSpPr/>
-              <p:nvPr/>
-            </p:nvCxnSpPr>
-            <p:spPr>
-              <a:xfrm flipH="1">
-                <a:off x="3224463" y="2718793"/>
-                <a:ext cx="2226127" cy="0"/>
-              </a:xfrm>
-              <a:prstGeom prst="line">
-                <a:avLst/>
-              </a:prstGeom>
-              <a:ln w="28575">
-                <a:solidFill>
-                  <a:schemeClr val="tx1"/>
-                </a:solidFill>
-              </a:ln>
-            </p:spPr>
-            <p:style>
-              <a:lnRef idx="1">
-                <a:schemeClr val="accent1"/>
-              </a:lnRef>
-              <a:fillRef idx="0">
-                <a:schemeClr val="accent1"/>
-              </a:fillRef>
-              <a:effectRef idx="0">
-                <a:schemeClr val="accent1"/>
-              </a:effectRef>
-              <a:fontRef idx="minor">
-                <a:schemeClr val="tx1"/>
-              </a:fontRef>
-            </p:style>
-          </p:cxnSp>
-          <p:cxnSp>
-            <p:nvCxnSpPr>
-              <p:cNvPr id="33" name="Straight Connector 32"/>
-              <p:cNvCxnSpPr/>
-              <p:nvPr/>
-            </p:nvCxnSpPr>
-            <p:spPr>
-              <a:xfrm flipV="1">
-                <a:off x="3236047" y="2730823"/>
-                <a:ext cx="0" cy="499048"/>
-              </a:xfrm>
-              <a:prstGeom prst="line">
-                <a:avLst/>
-              </a:prstGeom>
-              <a:ln w="28575">
-                <a:solidFill>
-                  <a:schemeClr val="tx1"/>
-                </a:solidFill>
-              </a:ln>
-            </p:spPr>
-            <p:style>
-              <a:lnRef idx="1">
-                <a:schemeClr val="accent1"/>
-              </a:lnRef>
-              <a:fillRef idx="0">
-                <a:schemeClr val="accent1"/>
-              </a:fillRef>
-              <a:effectRef idx="0">
-                <a:schemeClr val="accent1"/>
-              </a:effectRef>
-              <a:fontRef idx="minor">
-                <a:schemeClr val="tx1"/>
-              </a:fontRef>
-            </p:style>
-          </p:cxnSp>
-          <p:cxnSp>
-            <p:nvCxnSpPr>
-              <p:cNvPr id="37" name="Straight Connector 36"/>
-              <p:cNvCxnSpPr/>
-              <p:nvPr/>
-            </p:nvCxnSpPr>
-            <p:spPr>
-              <a:xfrm flipV="1">
-                <a:off x="5453927" y="2742855"/>
-                <a:ext cx="0" cy="499048"/>
-              </a:xfrm>
-              <a:prstGeom prst="line">
-                <a:avLst/>
-              </a:prstGeom>
-              <a:ln w="28575">
-                <a:solidFill>
-                  <a:schemeClr val="tx1"/>
-                </a:solidFill>
-              </a:ln>
-            </p:spPr>
-            <p:style>
-              <a:lnRef idx="1">
-                <a:schemeClr val="accent1"/>
-              </a:lnRef>
-              <a:fillRef idx="0">
-                <a:schemeClr val="accent1"/>
-              </a:fillRef>
-              <a:effectRef idx="0">
-                <a:schemeClr val="accent1"/>
-              </a:effectRef>
-              <a:fontRef idx="minor">
-                <a:schemeClr val="tx1"/>
-              </a:fontRef>
-            </p:style>
-          </p:cxnSp>
-          <p:cxnSp>
-            <p:nvCxnSpPr>
-              <p:cNvPr id="38" name="Straight Connector 37"/>
-              <p:cNvCxnSpPr/>
-              <p:nvPr/>
-            </p:nvCxnSpPr>
-            <p:spPr>
-              <a:xfrm flipV="1">
-                <a:off x="7724235" y="2718793"/>
-                <a:ext cx="0" cy="499048"/>
-              </a:xfrm>
-              <a:prstGeom prst="line">
-                <a:avLst/>
-              </a:prstGeom>
-              <a:ln w="28575">
-                <a:solidFill>
-                  <a:schemeClr val="tx1"/>
-                </a:solidFill>
-              </a:ln>
-            </p:spPr>
-            <p:style>
-              <a:lnRef idx="1">
-                <a:schemeClr val="accent1"/>
-              </a:lnRef>
-              <a:fillRef idx="0">
-                <a:schemeClr val="accent1"/>
-              </a:fillRef>
-              <a:effectRef idx="0">
-                <a:schemeClr val="accent1"/>
-              </a:effectRef>
-              <a:fontRef idx="minor">
-                <a:schemeClr val="tx1"/>
-              </a:fontRef>
-            </p:style>
-          </p:cxnSp>
-        </p:grpSp>
+              </a:solidFill>
+            </a:ln>
+          </p:spPr>
+          <p:style>
+            <a:lnRef idx="1">
+              <a:schemeClr val="accent1"/>
+            </a:lnRef>
+            <a:fillRef idx="0">
+              <a:schemeClr val="accent1"/>
+            </a:fillRef>
+            <a:effectRef idx="0">
+              <a:schemeClr val="accent1"/>
+            </a:effectRef>
+            <a:fontRef idx="minor">
+              <a:schemeClr val="tx1"/>
+            </a:fontRef>
+          </p:style>
+        </p:cxnSp>
         <p:sp>
           <p:nvSpPr>
             <p:cNvPr id="41" name="Isosceles Triangle 40"/>
@@ -7168,15 +6905,13 @@
           </p:nvSpPr>
           <p:spPr>
             <a:xfrm>
-              <a:off x="5325985" y="2066508"/>
+              <a:off x="5325985" y="2053061"/>
               <a:ext cx="231820" cy="206062"/>
             </a:xfrm>
             <a:prstGeom prst="triangle">
               <a:avLst/>
             </a:prstGeom>
-            <a:solidFill>
-              <a:schemeClr val="tx1"/>
-            </a:solidFill>
+            <a:noFill/>
             <a:ln>
               <a:solidFill>
                 <a:schemeClr val="tx1"/>
@@ -7217,10 +6952,10 @@
         </p:nvGrpSpPr>
         <p:grpSpPr>
           <a:xfrm>
-            <a:off x="3224463" y="562326"/>
-            <a:ext cx="4493882" cy="1569958"/>
-            <a:chOff x="3224463" y="485052"/>
-            <a:chExt cx="4493882" cy="1569958"/>
+            <a:off x="3167698" y="562326"/>
+            <a:ext cx="4550647" cy="1569958"/>
+            <a:chOff x="3167698" y="485052"/>
+            <a:chExt cx="4550647" cy="1569958"/>
           </a:xfrm>
         </p:grpSpPr>
         <p:sp>
@@ -7237,9 +6972,7 @@
             <a:prstGeom prst="triangle">
               <a:avLst/>
             </a:prstGeom>
-            <a:solidFill>
-              <a:schemeClr val="tx1"/>
-            </a:solidFill>
+            <a:noFill/>
             <a:ln>
               <a:solidFill>
                 <a:schemeClr val="tx1"/>
@@ -7279,7 +7012,7 @@
           </p:nvCxnSpPr>
           <p:spPr>
             <a:xfrm>
-              <a:off x="3224463" y="1097180"/>
+              <a:off x="3170675" y="1097180"/>
               <a:ext cx="0" cy="925539"/>
             </a:xfrm>
             <a:prstGeom prst="line">
@@ -7384,8 +7117,8 @@
           </p:nvCxnSpPr>
           <p:spPr>
             <a:xfrm>
-              <a:off x="3224463" y="1113076"/>
-              <a:ext cx="4491629" cy="0"/>
+              <a:off x="3167698" y="1113076"/>
+              <a:ext cx="4548394" cy="0"/>
             </a:xfrm>
             <a:prstGeom prst="line">
               <a:avLst/>
@@ -7412,18 +7145,56 @@
           </p:style>
         </p:cxnSp>
       </p:grpSp>
-      <p:sp>
-        <p:nvSpPr>
-          <p:cNvPr id="27" name="Rectangle 26"/>
+      <p:cxnSp>
+        <p:nvCxnSpPr>
+          <p:cNvPr id="8" name="Straight Arrow Connector 7"/>
+          <p:cNvCxnSpPr/>
+          <p:nvPr/>
+        </p:nvCxnSpPr>
+        <p:spPr>
+          <a:xfrm>
+            <a:off x="3170675" y="2597599"/>
+            <a:ext cx="0" cy="1234813"/>
+          </a:xfrm>
+          <a:prstGeom prst="straightConnector1">
+            <a:avLst/>
+          </a:prstGeom>
+          <a:ln w="28575">
+            <a:solidFill>
+              <a:schemeClr val="tx1"/>
+            </a:solidFill>
+            <a:prstDash val="dash"/>
+            <a:headEnd type="none" w="med" len="med"/>
+            <a:tailEnd type="arrow" w="med" len="med"/>
+          </a:ln>
+        </p:spPr>
+        <p:style>
+          <a:lnRef idx="1">
+            <a:schemeClr val="accent1"/>
+          </a:lnRef>
+          <a:fillRef idx="0">
+            <a:schemeClr val="accent1"/>
+          </a:fillRef>
+          <a:effectRef idx="0">
+            <a:schemeClr val="accent1"/>
+          </a:effectRef>
+          <a:fontRef idx="minor">
+            <a:schemeClr val="tx1"/>
+          </a:fontRef>
+        </p:style>
+      </p:cxnSp>
+      <p:sp>
+        <p:nvSpPr>
+          <p:cNvPr id="10" name="Oval 9"/>
           <p:cNvSpPr/>
           <p:nvPr/>
         </p:nvSpPr>
         <p:spPr>
           <a:xfrm>
-            <a:off x="4416929" y="4321801"/>
-            <a:ext cx="2067322" cy="491544"/>
-          </a:xfrm>
-          <a:prstGeom prst="rect">
+            <a:off x="2317595" y="3832412"/>
+            <a:ext cx="1673312" cy="753035"/>
+          </a:xfrm>
+          <a:prstGeom prst="ellipse">
             <a:avLst/>
           </a:prstGeom>
           <a:noFill/>
@@ -7455,7 +7226,7 @@
           <a:p>
             <a:pPr algn="ctr"/>
             <a:r>
-              <a:rPr lang="en-US" dirty="0" smtClean="0">
+              <a:rPr lang="en-US" smtClean="0">
                 <a:solidFill>
                   <a:schemeClr val="tx1"/>
                 </a:solidFill>
@@ -7463,9 +7234,9 @@
                 <a:ea typeface="Tahoma" panose="020B0604030504040204" pitchFamily="34" charset="0"/>
                 <a:cs typeface="Tahoma" panose="020B0604030504040204" pitchFamily="34" charset="0"/>
               </a:rPr>
-              <a:t>Concreted class</a:t>
-            </a:r>
-            <a:endParaRPr lang="en-US" dirty="0">
+              <a:t>Table 1</a:t>
+            </a:r>
+            <a:endParaRPr lang="en-US">
               <a:solidFill>
                 <a:schemeClr val="tx1"/>
               </a:solidFill>
@@ -7478,21 +7249,19 @@
       </p:sp>
       <p:sp>
         <p:nvSpPr>
-          <p:cNvPr id="31" name="Isosceles Triangle 30"/>
+          <p:cNvPr id="36" name="Oval 35"/>
           <p:cNvSpPr/>
           <p:nvPr/>
         </p:nvSpPr>
         <p:spPr>
           <a:xfrm>
-            <a:off x="5321863" y="3814956"/>
-            <a:ext cx="231820" cy="206062"/>
-          </a:xfrm>
-          <a:prstGeom prst="triangle">
-            <a:avLst/>
-          </a:prstGeom>
-          <a:solidFill>
-            <a:schemeClr val="tx1"/>
-          </a:solidFill>
+            <a:off x="4613934" y="3832411"/>
+            <a:ext cx="1673312" cy="753035"/>
+          </a:xfrm>
+          <a:prstGeom prst="ellipse">
+            <a:avLst/>
+          </a:prstGeom>
+          <a:noFill/>
           <a:ln>
             <a:solidFill>
               <a:schemeClr val="tx1"/>
@@ -7520,30 +7289,113 @@
           <a:lstStyle/>
           <a:p>
             <a:pPr algn="ctr"/>
-            <a:endParaRPr lang="en-US"/>
+            <a:r>
+              <a:rPr lang="en-US" smtClean="0">
+                <a:solidFill>
+                  <a:schemeClr val="tx1"/>
+                </a:solidFill>
+                <a:latin typeface="Tahoma" panose="020B0604030504040204" pitchFamily="34" charset="0"/>
+                <a:ea typeface="Tahoma" panose="020B0604030504040204" pitchFamily="34" charset="0"/>
+                <a:cs typeface="Tahoma" panose="020B0604030504040204" pitchFamily="34" charset="0"/>
+              </a:rPr>
+              <a:t>Table 2</a:t>
+            </a:r>
+            <a:endParaRPr lang="en-US">
+              <a:solidFill>
+                <a:schemeClr val="tx1"/>
+              </a:solidFill>
+              <a:latin typeface="Tahoma" panose="020B0604030504040204" pitchFamily="34" charset="0"/>
+              <a:ea typeface="Tahoma" panose="020B0604030504040204" pitchFamily="34" charset="0"/>
+              <a:cs typeface="Tahoma" panose="020B0604030504040204" pitchFamily="34" charset="0"/>
+            </a:endParaRPr>
+          </a:p>
+        </p:txBody>
+      </p:sp>
+      <p:sp>
+        <p:nvSpPr>
+          <p:cNvPr id="39" name="Oval 38"/>
+          <p:cNvSpPr/>
+          <p:nvPr/>
+        </p:nvSpPr>
+        <p:spPr>
+          <a:xfrm>
+            <a:off x="6896826" y="3832410"/>
+            <a:ext cx="1673312" cy="753035"/>
+          </a:xfrm>
+          <a:prstGeom prst="ellipse">
+            <a:avLst/>
+          </a:prstGeom>
+          <a:noFill/>
+          <a:ln>
+            <a:solidFill>
+              <a:schemeClr val="tx1"/>
+            </a:solidFill>
+          </a:ln>
+        </p:spPr>
+        <p:style>
+          <a:lnRef idx="2">
+            <a:schemeClr val="accent1">
+              <a:shade val="50000"/>
+            </a:schemeClr>
+          </a:lnRef>
+          <a:fillRef idx="1">
+            <a:schemeClr val="accent1"/>
+          </a:fillRef>
+          <a:effectRef idx="0">
+            <a:schemeClr val="accent1"/>
+          </a:effectRef>
+          <a:fontRef idx="minor">
+            <a:schemeClr val="lt1"/>
+          </a:fontRef>
+        </p:style>
+        <p:txBody>
+          <a:bodyPr rtlCol="0" anchor="ctr"/>
+          <a:lstStyle/>
+          <a:p>
+            <a:pPr algn="ctr"/>
+            <a:r>
+              <a:rPr lang="en-US" smtClean="0">
+                <a:solidFill>
+                  <a:schemeClr val="tx1"/>
+                </a:solidFill>
+                <a:latin typeface="Tahoma" panose="020B0604030504040204" pitchFamily="34" charset="0"/>
+                <a:ea typeface="Tahoma" panose="020B0604030504040204" pitchFamily="34" charset="0"/>
+                <a:cs typeface="Tahoma" panose="020B0604030504040204" pitchFamily="34" charset="0"/>
+              </a:rPr>
+              <a:t>Table 3</a:t>
+            </a:r>
+            <a:endParaRPr lang="en-US">
+              <a:solidFill>
+                <a:schemeClr val="tx1"/>
+              </a:solidFill>
+              <a:latin typeface="Tahoma" panose="020B0604030504040204" pitchFamily="34" charset="0"/>
+              <a:ea typeface="Tahoma" panose="020B0604030504040204" pitchFamily="34" charset="0"/>
+              <a:cs typeface="Tahoma" panose="020B0604030504040204" pitchFamily="34" charset="0"/>
+            </a:endParaRPr>
           </a:p>
         </p:txBody>
       </p:sp>
       <p:cxnSp>
         <p:nvCxnSpPr>
-          <p:cNvPr id="34" name="Straight Connector 33"/>
-          <p:cNvCxnSpPr>
-            <a:endCxn id="27" idx="0"/>
-          </p:cNvCxnSpPr>
+          <p:cNvPr id="47" name="Straight Arrow Connector 46"/>
+          <p:cNvCxnSpPr/>
           <p:nvPr/>
         </p:nvCxnSpPr>
         <p:spPr>
-          <a:xfrm flipH="1">
-            <a:off x="5450590" y="4021865"/>
-            <a:ext cx="2552" cy="299936"/>
-          </a:xfrm>
-          <a:prstGeom prst="line">
+          <a:xfrm>
+            <a:off x="7716092" y="2620159"/>
+            <a:ext cx="0" cy="1234813"/>
+          </a:xfrm>
+          <a:prstGeom prst="straightConnector1">
             <a:avLst/>
           </a:prstGeom>
           <a:ln w="28575">
             <a:solidFill>
               <a:schemeClr val="tx1"/>
             </a:solidFill>
+            <a:prstDash val="dash"/>
+            <a:headEnd type="none" w="med" len="med"/>
+            <a:tailEnd type="arrow" w="med" len="med"/>
           </a:ln>
         </p:spPr>
         <p:style>
@@ -7561,6 +7413,204 @@
           </a:fontRef>
         </p:style>
       </p:cxnSp>
+      <p:cxnSp>
+        <p:nvCxnSpPr>
+          <p:cNvPr id="49" name="Straight Arrow Connector 48"/>
+          <p:cNvCxnSpPr/>
+          <p:nvPr/>
+        </p:nvCxnSpPr>
+        <p:spPr>
+          <a:xfrm>
+            <a:off x="5458060" y="3111083"/>
+            <a:ext cx="0" cy="699246"/>
+          </a:xfrm>
+          <a:prstGeom prst="straightConnector1">
+            <a:avLst/>
+          </a:prstGeom>
+          <a:ln w="28575">
+            <a:solidFill>
+              <a:schemeClr val="tx1"/>
+            </a:solidFill>
+            <a:prstDash val="dash"/>
+            <a:headEnd type="none" w="med" len="med"/>
+            <a:tailEnd type="arrow" w="med" len="med"/>
+          </a:ln>
+        </p:spPr>
+        <p:style>
+          <a:lnRef idx="1">
+            <a:schemeClr val="accent1"/>
+          </a:lnRef>
+          <a:fillRef idx="0">
+            <a:schemeClr val="accent1"/>
+          </a:fillRef>
+          <a:effectRef idx="0">
+            <a:schemeClr val="accent1"/>
+          </a:effectRef>
+          <a:fontRef idx="minor">
+            <a:schemeClr val="tx1"/>
+          </a:fontRef>
+        </p:style>
+      </p:cxnSp>
+      <p:cxnSp>
+        <p:nvCxnSpPr>
+          <p:cNvPr id="35" name="Straight Connector 34"/>
+          <p:cNvCxnSpPr/>
+          <p:nvPr/>
+        </p:nvCxnSpPr>
+        <p:spPr>
+          <a:xfrm>
+            <a:off x="2134037" y="3281211"/>
+            <a:ext cx="7477796" cy="0"/>
+          </a:xfrm>
+          <a:prstGeom prst="line">
+            <a:avLst/>
+          </a:prstGeom>
+          <a:ln w="19050">
+            <a:solidFill>
+              <a:schemeClr val="tx1"/>
+            </a:solidFill>
+            <a:prstDash val="lgDash"/>
+          </a:ln>
+        </p:spPr>
+        <p:style>
+          <a:lnRef idx="1">
+            <a:schemeClr val="accent1"/>
+          </a:lnRef>
+          <a:fillRef idx="0">
+            <a:schemeClr val="accent1"/>
+          </a:fillRef>
+          <a:effectRef idx="0">
+            <a:schemeClr val="accent1"/>
+          </a:effectRef>
+          <a:fontRef idx="minor">
+            <a:schemeClr val="tx1"/>
+          </a:fontRef>
+        </p:style>
+      </p:cxnSp>
+      <p:sp>
+        <p:nvSpPr>
+          <p:cNvPr id="53" name="Rectangle 52"/>
+          <p:cNvSpPr/>
+          <p:nvPr/>
+        </p:nvSpPr>
+        <p:spPr>
+          <a:xfrm>
+            <a:off x="8492538" y="-85672"/>
+            <a:ext cx="1325722" cy="491544"/>
+          </a:xfrm>
+          <a:prstGeom prst="rect">
+            <a:avLst/>
+          </a:prstGeom>
+          <a:noFill/>
+          <a:ln>
+            <a:noFill/>
+          </a:ln>
+        </p:spPr>
+        <p:style>
+          <a:lnRef idx="2">
+            <a:schemeClr val="accent1">
+              <a:shade val="50000"/>
+            </a:schemeClr>
+          </a:lnRef>
+          <a:fillRef idx="1">
+            <a:schemeClr val="accent1"/>
+          </a:fillRef>
+          <a:effectRef idx="0">
+            <a:schemeClr val="accent1"/>
+          </a:effectRef>
+          <a:fontRef idx="minor">
+            <a:schemeClr val="lt1"/>
+          </a:fontRef>
+        </p:style>
+        <p:txBody>
+          <a:bodyPr rtlCol="0" anchor="ctr"/>
+          <a:lstStyle/>
+          <a:p>
+            <a:pPr algn="ctr"/>
+            <a:r>
+              <a:rPr lang="en-US" sz="1400" smtClean="0">
+                <a:solidFill>
+                  <a:schemeClr val="tx1"/>
+                </a:solidFill>
+                <a:latin typeface="Tahoma" panose="020B0604030504040204" pitchFamily="34" charset="0"/>
+                <a:ea typeface="Tahoma" panose="020B0604030504040204" pitchFamily="34" charset="0"/>
+                <a:cs typeface="Tahoma" panose="020B0604030504040204" pitchFamily="34" charset="0"/>
+              </a:rPr>
+              <a:t>Class level</a:t>
+            </a:r>
+            <a:endParaRPr lang="en-US" sz="1400" dirty="0" smtClean="0">
+              <a:solidFill>
+                <a:schemeClr val="tx1"/>
+              </a:solidFill>
+              <a:latin typeface="Tahoma" panose="020B0604030504040204" pitchFamily="34" charset="0"/>
+              <a:ea typeface="Tahoma" panose="020B0604030504040204" pitchFamily="34" charset="0"/>
+              <a:cs typeface="Tahoma" panose="020B0604030504040204" pitchFamily="34" charset="0"/>
+            </a:endParaRPr>
+          </a:p>
+        </p:txBody>
+      </p:sp>
+      <p:sp>
+        <p:nvSpPr>
+          <p:cNvPr id="54" name="Rectangle 53"/>
+          <p:cNvSpPr/>
+          <p:nvPr/>
+        </p:nvSpPr>
+        <p:spPr>
+          <a:xfrm>
+            <a:off x="8301152" y="3210883"/>
+            <a:ext cx="1404396" cy="491544"/>
+          </a:xfrm>
+          <a:prstGeom prst="rect">
+            <a:avLst/>
+          </a:prstGeom>
+          <a:noFill/>
+          <a:ln>
+            <a:noFill/>
+          </a:ln>
+        </p:spPr>
+        <p:style>
+          <a:lnRef idx="2">
+            <a:schemeClr val="accent1">
+              <a:shade val="50000"/>
+            </a:schemeClr>
+          </a:lnRef>
+          <a:fillRef idx="1">
+            <a:schemeClr val="accent1"/>
+          </a:fillRef>
+          <a:effectRef idx="0">
+            <a:schemeClr val="accent1"/>
+          </a:effectRef>
+          <a:fontRef idx="minor">
+            <a:schemeClr val="lt1"/>
+          </a:fontRef>
+        </p:style>
+        <p:txBody>
+          <a:bodyPr rtlCol="0" anchor="ctr"/>
+          <a:lstStyle/>
+          <a:p>
+            <a:pPr algn="ctr"/>
+            <a:r>
+              <a:rPr lang="en-US" sz="1400" smtClean="0">
+                <a:solidFill>
+                  <a:schemeClr val="tx1"/>
+                </a:solidFill>
+                <a:latin typeface="Tahoma" panose="020B0604030504040204" pitchFamily="34" charset="0"/>
+                <a:ea typeface="Tahoma" panose="020B0604030504040204" pitchFamily="34" charset="0"/>
+                <a:cs typeface="Tahoma" panose="020B0604030504040204" pitchFamily="34" charset="0"/>
+              </a:rPr>
+              <a:t>Database level</a:t>
+            </a:r>
+            <a:endParaRPr lang="en-US" sz="1400" dirty="0" smtClean="0">
+              <a:solidFill>
+                <a:schemeClr val="tx1"/>
+              </a:solidFill>
+              <a:latin typeface="Tahoma" panose="020B0604030504040204" pitchFamily="34" charset="0"/>
+              <a:ea typeface="Tahoma" panose="020B0604030504040204" pitchFamily="34" charset="0"/>
+              <a:cs typeface="Tahoma" panose="020B0604030504040204" pitchFamily="34" charset="0"/>
+            </a:endParaRPr>
+          </a:p>
+        </p:txBody>
+      </p:sp>
     </p:spTree>
     <p:extLst>
       <p:ext uri="{BB962C8B-B14F-4D97-AF65-F5344CB8AC3E}">
